--- a/03_security/03_security.pptx
+++ b/03_security/03_security.pptx
@@ -221,7 +221,7 @@
           <a:p>
             <a:fld id="{A43B11FB-9B80-4C19-B4A9-63E0706041E8}" type="datetimeFigureOut">
               <a:rPr lang="en-US" smtClean="0"/>
-              <a:t>12/2/2020</a:t>
+              <a:t>11/15/2021</a:t>
             </a:fld>
             <a:endParaRPr lang="en-US"/>
           </a:p>
@@ -656,7 +656,7 @@
           <a:p>
             <a:fld id="{9E016143-E03C-4CFD-AFDC-14E5BDEA754C}" type="datetimeFigureOut">
               <a:rPr lang="en-US" dirty="0"/>
-              <a:t>12/2/2020</a:t>
+              <a:t>11/15/2021</a:t>
             </a:fld>
             <a:endParaRPr lang="en-US" dirty="0"/>
           </a:p>
@@ -1037,7 +1037,7 @@
           <a:p>
             <a:fld id="{5E6440AA-91A0-436F-8FDB-C0F939DCAE21}" type="datetimeFigureOut">
               <a:rPr lang="en-US" dirty="0"/>
-              <a:t>12/2/2020</a:t>
+              <a:t>11/15/2021</a:t>
             </a:fld>
             <a:endParaRPr lang="en-US" dirty="0"/>
           </a:p>
@@ -1207,7 +1207,7 @@
           <a:p>
             <a:fld id="{C033E54A-A8CA-48C1-9504-691B58049D29}" type="datetimeFigureOut">
               <a:rPr lang="en-US" dirty="0"/>
-              <a:t>12/2/2020</a:t>
+              <a:t>11/15/2021</a:t>
             </a:fld>
             <a:endParaRPr lang="en-US" dirty="0"/>
           </a:p>
@@ -1387,7 +1387,7 @@
           <a:p>
             <a:fld id="{B5F6C806-BBF7-471C-9527-881CE2266695}" type="datetimeFigureOut">
               <a:rPr lang="en-US" dirty="0"/>
-              <a:t>12/2/2020</a:t>
+              <a:t>11/15/2021</a:t>
             </a:fld>
             <a:endParaRPr lang="en-US" dirty="0"/>
           </a:p>
@@ -1622,7 +1622,7 @@
           <a:p>
             <a:fld id="{78C94063-DF36-4330-A365-08DA1FA5B7D6}" type="datetimeFigureOut">
               <a:rPr lang="en-US" dirty="0"/>
-              <a:t>12/2/2020</a:t>
+              <a:t>11/15/2021</a:t>
             </a:fld>
             <a:endParaRPr lang="en-US" dirty="0"/>
           </a:p>
@@ -1866,7 +1866,7 @@
           <a:p>
             <a:fld id="{78C94063-DF36-4330-A365-08DA1FA5B7D6}" type="datetimeFigureOut">
               <a:rPr lang="en-US" dirty="0"/>
-              <a:t>12/2/2020</a:t>
+              <a:t>11/15/2021</a:t>
             </a:fld>
             <a:endParaRPr lang="en-US" dirty="0"/>
           </a:p>
@@ -2136,7 +2136,7 @@
           <a:p>
             <a:fld id="{908A7C6C-0F39-4D70-8E8D-FE5B9C95FA73}" type="datetimeFigureOut">
               <a:rPr lang="en-US" dirty="0"/>
-              <a:t>12/2/2020</a:t>
+              <a:t>11/15/2021</a:t>
             </a:fld>
             <a:endParaRPr lang="en-US" dirty="0"/>
           </a:p>
@@ -2462,7 +2462,7 @@
           <a:p>
             <a:fld id="{DFCFA4AC-08CC-42CE-BD01-C191750A04EC}" type="datetimeFigureOut">
               <a:rPr lang="en-US" dirty="0"/>
-              <a:t>12/2/2020</a:t>
+              <a:t>11/15/2021</a:t>
             </a:fld>
             <a:endParaRPr lang="en-US" dirty="0"/>
           </a:p>
@@ -2913,7 +2913,7 @@
           <a:p>
             <a:fld id="{1BA7A723-92A7-435B-B681-F25B092FEFEB}" type="datetimeFigureOut">
               <a:rPr lang="en-US" dirty="0"/>
-              <a:t>12/2/2020</a:t>
+              <a:t>11/15/2021</a:t>
             </a:fld>
             <a:endParaRPr lang="en-US" dirty="0"/>
           </a:p>
@@ -3031,7 +3031,7 @@
           <a:p>
             <a:fld id="{4F170639-886C-4FCF-9EAB-ABB5DA3F3F4A}" type="datetimeFigureOut">
               <a:rPr lang="en-US" dirty="0"/>
-              <a:t>12/2/2020</a:t>
+              <a:t>11/15/2021</a:t>
             </a:fld>
             <a:endParaRPr lang="en-US" dirty="0"/>
           </a:p>
@@ -3126,7 +3126,7 @@
           <a:p>
             <a:fld id="{22230651-31F4-45D2-98AE-A2108F41BC07}" type="datetimeFigureOut">
               <a:rPr lang="en-US" dirty="0"/>
-              <a:t>12/2/2020</a:t>
+              <a:t>11/15/2021</a:t>
             </a:fld>
             <a:endParaRPr lang="en-US" dirty="0"/>
           </a:p>
@@ -3413,7 +3413,7 @@
           <a:p>
             <a:fld id="{6F53789A-C914-4DB1-8815-80B5EC7335C5}" type="datetimeFigureOut">
               <a:rPr lang="en-US" dirty="0"/>
-              <a:t>12/2/2020</a:t>
+              <a:t>11/15/2021</a:t>
             </a:fld>
             <a:endParaRPr lang="en-US" dirty="0"/>
           </a:p>
@@ -3667,7 +3667,7 @@
           <a:p>
             <a:fld id="{0E59FD0C-5451-4CA0-86AF-E70AE3279989}" type="datetimeFigureOut">
               <a:rPr lang="en-US" dirty="0"/>
-              <a:t>12/2/2020</a:t>
+              <a:t>11/15/2021</a:t>
             </a:fld>
             <a:endParaRPr lang="en-US" dirty="0"/>
           </a:p>
@@ -5278,7 +5278,7 @@
 </file>
 
 <file path=ppt/slides/slide11.xml><?xml version="1.0" encoding="utf-8"?>
-<p:sld xmlns:a="http://schemas.openxmlformats.org/drawingml/2006/main" xmlns:r="http://schemas.openxmlformats.org/officeDocument/2006/relationships" xmlns:p="http://schemas.openxmlformats.org/presentationml/2006/main">
+<p:sld xmlns:a="http://schemas.openxmlformats.org/drawingml/2006/main" xmlns:r="http://schemas.openxmlformats.org/officeDocument/2006/relationships" xmlns:p="http://schemas.openxmlformats.org/presentationml/2006/main" show="0">
   <p:cSld>
     <p:spTree>
       <p:nvGrpSpPr>
